--- a/doc/chapter04_functions/params.pptx
+++ b/doc/chapter04_functions/params.pptx
@@ -6,6 +6,7 @@
   </p:sldMasterIdLst>
   <p:sldIdLst>
     <p:sldId id="256" r:id="rId2"/>
+    <p:sldId id="257" r:id="rId3"/>
   </p:sldIdLst>
   <p:sldSz cx="12192000" cy="6858000"/>
   <p:notesSz cx="6858000" cy="9144000"/>
@@ -104,6 +105,11 @@
       </a:defRPr>
     </a:lvl9pPr>
   </p:defaultTextStyle>
+  <p:extLst>
+    <p:ext uri="{EFAFB233-063F-42B5-8137-9DF3F51BA10A}">
+      <p15:sldGuideLst xmlns:p15="http://schemas.microsoft.com/office/powerpoint/2012/main"/>
+    </p:ext>
+  </p:extLst>
 </p:presentation>
 </file>
 
@@ -235,7 +241,7 @@
           <a:lstStyle/>
           <a:p>
             <a:fld id="{A07CF913-FAA2-6D47-B844-5220F78E11BA}" type="datetimeFigureOut">
-              <a:t>3/6/18</a:t>
+              <a:t>26.03.18</a:t>
             </a:fld>
             <a:endParaRPr lang="en-US"/>
           </a:p>
@@ -401,7 +407,7 @@
           <a:lstStyle/>
           <a:p>
             <a:fld id="{A07CF913-FAA2-6D47-B844-5220F78E11BA}" type="datetimeFigureOut">
-              <a:t>3/6/18</a:t>
+              <a:t>26.03.18</a:t>
             </a:fld>
             <a:endParaRPr lang="en-US"/>
           </a:p>
@@ -577,7 +583,7 @@
           <a:lstStyle/>
           <a:p>
             <a:fld id="{A07CF913-FAA2-6D47-B844-5220F78E11BA}" type="datetimeFigureOut">
-              <a:t>3/6/18</a:t>
+              <a:t>26.03.18</a:t>
             </a:fld>
             <a:endParaRPr lang="en-US"/>
           </a:p>
@@ -743,7 +749,7 @@
           <a:lstStyle/>
           <a:p>
             <a:fld id="{A07CF913-FAA2-6D47-B844-5220F78E11BA}" type="datetimeFigureOut">
-              <a:t>3/6/18</a:t>
+              <a:t>26.03.18</a:t>
             </a:fld>
             <a:endParaRPr lang="en-US"/>
           </a:p>
@@ -986,7 +992,7 @@
           <a:lstStyle/>
           <a:p>
             <a:fld id="{A07CF913-FAA2-6D47-B844-5220F78E11BA}" type="datetimeFigureOut">
-              <a:t>3/6/18</a:t>
+              <a:t>26.03.18</a:t>
             </a:fld>
             <a:endParaRPr lang="en-US"/>
           </a:p>
@@ -1213,7 +1219,7 @@
           <a:lstStyle/>
           <a:p>
             <a:fld id="{A07CF913-FAA2-6D47-B844-5220F78E11BA}" type="datetimeFigureOut">
-              <a:t>3/6/18</a:t>
+              <a:t>26.03.18</a:t>
             </a:fld>
             <a:endParaRPr lang="en-US"/>
           </a:p>
@@ -1575,7 +1581,7 @@
           <a:lstStyle/>
           <a:p>
             <a:fld id="{A07CF913-FAA2-6D47-B844-5220F78E11BA}" type="datetimeFigureOut">
-              <a:t>3/6/18</a:t>
+              <a:t>26.03.18</a:t>
             </a:fld>
             <a:endParaRPr lang="en-US"/>
           </a:p>
@@ -1690,7 +1696,7 @@
           <a:lstStyle/>
           <a:p>
             <a:fld id="{A07CF913-FAA2-6D47-B844-5220F78E11BA}" type="datetimeFigureOut">
-              <a:t>3/6/18</a:t>
+              <a:t>26.03.18</a:t>
             </a:fld>
             <a:endParaRPr lang="en-US"/>
           </a:p>
@@ -1783,7 +1789,7 @@
           <a:lstStyle/>
           <a:p>
             <a:fld id="{A07CF913-FAA2-6D47-B844-5220F78E11BA}" type="datetimeFigureOut">
-              <a:t>3/6/18</a:t>
+              <a:t>26.03.18</a:t>
             </a:fld>
             <a:endParaRPr lang="en-US"/>
           </a:p>
@@ -2056,7 +2062,7 @@
           <a:lstStyle/>
           <a:p>
             <a:fld id="{A07CF913-FAA2-6D47-B844-5220F78E11BA}" type="datetimeFigureOut">
-              <a:t>3/6/18</a:t>
+              <a:t>26.03.18</a:t>
             </a:fld>
             <a:endParaRPr lang="en-US"/>
           </a:p>
@@ -2306,7 +2312,7 @@
           <a:lstStyle/>
           <a:p>
             <a:fld id="{A07CF913-FAA2-6D47-B844-5220F78E11BA}" type="datetimeFigureOut">
-              <a:t>3/6/18</a:t>
+              <a:t>26.03.18</a:t>
             </a:fld>
             <a:endParaRPr lang="en-US"/>
           </a:p>
@@ -2515,7 +2521,7 @@
           </a:lstStyle>
           <a:p>
             <a:fld id="{A07CF913-FAA2-6D47-B844-5220F78E11BA}" type="datetimeFigureOut">
-              <a:t>3/6/18</a:t>
+              <a:t>26.03.18</a:t>
             </a:fld>
             <a:endParaRPr lang="en-US"/>
           </a:p>
@@ -2927,7 +2933,7 @@
         </p:nvSpPr>
         <p:spPr>
           <a:xfrm>
-            <a:off x="2648074" y="2151529"/>
+            <a:off x="1042304" y="2151529"/>
             <a:ext cx="2665376" cy="2431229"/>
           </a:xfrm>
           <a:prstGeom prst="rect">
@@ -2973,8 +2979,8 @@
         </p:nvSpPr>
         <p:spPr>
           <a:xfrm>
-            <a:off x="2555962" y="1782197"/>
-            <a:ext cx="805029" cy="369332"/>
+            <a:off x="950192" y="1782197"/>
+            <a:ext cx="926600" cy="369332"/>
           </a:xfrm>
           <a:prstGeom prst="rect">
             <a:avLst/>
@@ -2989,8 +2995,9 @@
           <a:p>
             <a:r>
               <a:rPr lang="en-US" b="1"/>
-              <a:t>Global</a:t>
-            </a:r>
+              <a:t>Context</a:t>
+            </a:r>
+            <a:endParaRPr lang="en-US" b="1"/>
           </a:p>
         </p:txBody>
       </p:sp>
@@ -3002,7 +3009,7 @@
         </p:nvSpPr>
         <p:spPr>
           <a:xfrm>
-            <a:off x="6216687" y="2151529"/>
+            <a:off x="4610917" y="2151529"/>
             <a:ext cx="2665376" cy="2431229"/>
           </a:xfrm>
           <a:prstGeom prst="rect">
@@ -3048,8 +3055,8 @@
         </p:nvSpPr>
         <p:spPr>
           <a:xfrm>
-            <a:off x="6096000" y="1782197"/>
-            <a:ext cx="670825" cy="369332"/>
+            <a:off x="4490230" y="1782197"/>
+            <a:ext cx="539122" cy="369332"/>
           </a:xfrm>
           <a:prstGeom prst="rect">
             <a:avLst/>
@@ -3064,7 +3071,7 @@
           <a:p>
             <a:r>
               <a:rPr lang="en-US" b="1"/>
-              <a:t>Local</a:t>
+              <a:t>Box</a:t>
             </a:r>
           </a:p>
         </p:txBody>
@@ -3077,7 +3084,7 @@
         </p:nvSpPr>
         <p:spPr>
           <a:xfrm>
-            <a:off x="6029380" y="2264281"/>
+            <a:off x="4423610" y="2264281"/>
             <a:ext cx="374613" cy="341704"/>
           </a:xfrm>
           <a:prstGeom prst="rect">
@@ -3125,7 +3132,7 @@
         </p:nvSpPr>
         <p:spPr>
           <a:xfrm>
-            <a:off x="6029380" y="2740455"/>
+            <a:off x="4423610" y="2740455"/>
             <a:ext cx="374613" cy="341704"/>
           </a:xfrm>
           <a:prstGeom prst="rect">
@@ -3173,7 +3180,7 @@
         </p:nvSpPr>
         <p:spPr>
           <a:xfrm>
-            <a:off x="6029380" y="3230917"/>
+            <a:off x="4423610" y="3230917"/>
             <a:ext cx="374613" cy="341704"/>
           </a:xfrm>
           <a:prstGeom prst="rect">
@@ -3221,7 +3228,7 @@
         </p:nvSpPr>
         <p:spPr>
           <a:xfrm>
-            <a:off x="6029380" y="4137437"/>
+            <a:off x="4423610" y="4137437"/>
             <a:ext cx="374613" cy="341704"/>
           </a:xfrm>
           <a:prstGeom prst="rect">
@@ -3277,7 +3284,7 @@
         </p:blipFill>
         <p:spPr>
           <a:xfrm>
-            <a:off x="7006046" y="2663881"/>
+            <a:off x="5400276" y="2663881"/>
             <a:ext cx="1342671" cy="1342671"/>
           </a:xfrm>
           <a:prstGeom prst="rect">
@@ -3293,7 +3300,7 @@
         </p:nvSpPr>
         <p:spPr>
           <a:xfrm>
-            <a:off x="4300181" y="4074612"/>
+            <a:off x="2694411" y="4074612"/>
             <a:ext cx="430911" cy="371475"/>
           </a:xfrm>
           <a:prstGeom prst="triangle">
@@ -3342,7 +3349,7 @@
         </p:nvSpPr>
         <p:spPr>
           <a:xfrm>
-            <a:off x="3328963" y="2381435"/>
+            <a:off x="1723193" y="2381435"/>
             <a:ext cx="430911" cy="371475"/>
           </a:xfrm>
           <a:prstGeom prst="triangle">
@@ -3391,7 +3398,7 @@
         </p:nvSpPr>
         <p:spPr>
           <a:xfrm>
-            <a:off x="2818110" y="2938648"/>
+            <a:off x="1212340" y="2938648"/>
             <a:ext cx="430911" cy="371475"/>
           </a:xfrm>
           <a:prstGeom prst="triangle">
@@ -3440,7 +3447,7 @@
         </p:nvSpPr>
         <p:spPr>
           <a:xfrm>
-            <a:off x="3093148" y="3725767"/>
+            <a:off x="1487378" y="3725767"/>
             <a:ext cx="430911" cy="371475"/>
           </a:xfrm>
           <a:prstGeom prst="triangle">
@@ -3489,7 +3496,7 @@
         </p:nvSpPr>
         <p:spPr>
           <a:xfrm>
-            <a:off x="4663538" y="2863084"/>
+            <a:off x="3057768" y="2863084"/>
             <a:ext cx="430911" cy="371475"/>
           </a:xfrm>
           <a:prstGeom prst="triangle">
@@ -3538,7 +3545,7 @@
         </p:nvSpPr>
         <p:spPr>
           <a:xfrm>
-            <a:off x="3912274" y="3221092"/>
+            <a:off x="2306504" y="3221092"/>
             <a:ext cx="430911" cy="371475"/>
           </a:xfrm>
           <a:prstGeom prst="triangle">
@@ -3587,7 +3594,7 @@
         </p:nvCxnSpPr>
         <p:spPr>
           <a:xfrm flipV="1">
-            <a:off x="3759874" y="2390763"/>
+            <a:off x="2154104" y="2390763"/>
             <a:ext cx="2234465" cy="95262"/>
           </a:xfrm>
           <a:prstGeom prst="straightConnector1">
@@ -3626,7 +3633,7 @@
         </p:nvCxnSpPr>
         <p:spPr>
           <a:xfrm flipV="1">
-            <a:off x="5039111" y="2909823"/>
+            <a:off x="3433341" y="2909823"/>
             <a:ext cx="929925" cy="82321"/>
           </a:xfrm>
           <a:prstGeom prst="straightConnector1">
@@ -3665,7 +3672,7 @@
         </p:nvCxnSpPr>
         <p:spPr>
           <a:xfrm flipV="1">
-            <a:off x="3524059" y="3415943"/>
+            <a:off x="1918289" y="3415943"/>
             <a:ext cx="2439192" cy="495561"/>
           </a:xfrm>
           <a:prstGeom prst="straightConnector1">
@@ -3704,7 +3711,7 @@
         </p:nvCxnSpPr>
         <p:spPr>
           <a:xfrm flipH="1" flipV="1">
-            <a:off x="4731092" y="4255601"/>
+            <a:off x="3125322" y="4255601"/>
             <a:ext cx="1232159" cy="25235"/>
           </a:xfrm>
           <a:prstGeom prst="straightConnector1">
@@ -3743,7 +3750,7 @@
         </p:nvSpPr>
         <p:spPr>
           <a:xfrm>
-            <a:off x="6500813" y="2450306"/>
+            <a:off x="4895043" y="2450306"/>
             <a:ext cx="1185862" cy="307182"/>
           </a:xfrm>
           <a:custGeom>
@@ -3830,7 +3837,7 @@
         </p:nvSpPr>
         <p:spPr>
           <a:xfrm rot="10553603">
-            <a:off x="6478239" y="3540701"/>
+            <a:off x="4872469" y="3540701"/>
             <a:ext cx="969185" cy="307182"/>
           </a:xfrm>
           <a:custGeom>
@@ -3917,7 +3924,7 @@
         </p:nvSpPr>
         <p:spPr>
           <a:xfrm rot="10553603">
-            <a:off x="6458488" y="2927816"/>
+            <a:off x="4852718" y="2927816"/>
             <a:ext cx="475931" cy="216322"/>
           </a:xfrm>
           <a:custGeom>
@@ -4004,7 +4011,7 @@
         </p:nvSpPr>
         <p:spPr>
           <a:xfrm rot="8903800">
-            <a:off x="6465659" y="4036779"/>
+            <a:off x="4859889" y="4036779"/>
             <a:ext cx="1129273" cy="307182"/>
           </a:xfrm>
           <a:custGeom>
@@ -4087,6 +4094,1285 @@
     <p:extLst>
       <p:ext uri="{BB962C8B-B14F-4D97-AF65-F5344CB8AC3E}">
         <p14:creationId xmlns:p14="http://schemas.microsoft.com/office/powerpoint/2010/main" val="510742551"/>
+      </p:ext>
+    </p:extLst>
+  </p:cSld>
+  <p:clrMapOvr>
+    <a:masterClrMapping/>
+  </p:clrMapOvr>
+</p:sld>
+</file>
+
+<file path=ppt/slides/slide2.xml><?xml version="1.0" encoding="utf-8"?>
+<p:sld xmlns:a="http://schemas.openxmlformats.org/drawingml/2006/main" xmlns:r="http://schemas.openxmlformats.org/officeDocument/2006/relationships" xmlns:p="http://schemas.openxmlformats.org/presentationml/2006/main">
+  <p:cSld>
+    <p:spTree>
+      <p:nvGrpSpPr>
+        <p:cNvPr id="1" name=""/>
+        <p:cNvGrpSpPr/>
+        <p:nvPr/>
+      </p:nvGrpSpPr>
+      <p:grpSpPr>
+        <a:xfrm>
+          <a:off x="0" y="0"/>
+          <a:ext cx="0" cy="0"/>
+          <a:chOff x="0" y="0"/>
+          <a:chExt cx="0" cy="0"/>
+        </a:xfrm>
+      </p:grpSpPr>
+      <p:sp>
+        <p:nvSpPr>
+          <p:cNvPr id="4" name="Rectangle 3"/>
+          <p:cNvSpPr/>
+          <p:nvPr/>
+        </p:nvSpPr>
+        <p:spPr>
+          <a:xfrm>
+            <a:off x="1323329" y="3220632"/>
+            <a:ext cx="1448135" cy="1684491"/>
+          </a:xfrm>
+          <a:prstGeom prst="rect">
+            <a:avLst/>
+          </a:prstGeom>
+          <a:noFill/>
+          <a:ln w="25400">
+            <a:solidFill>
+              <a:schemeClr val="tx1"/>
+            </a:solidFill>
+          </a:ln>
+        </p:spPr>
+        <p:style>
+          <a:lnRef idx="2">
+            <a:schemeClr val="accent1">
+              <a:shade val="50000"/>
+            </a:schemeClr>
+          </a:lnRef>
+          <a:fillRef idx="1">
+            <a:schemeClr val="accent1"/>
+          </a:fillRef>
+          <a:effectRef idx="0">
+            <a:schemeClr val="accent1"/>
+          </a:effectRef>
+          <a:fontRef idx="minor">
+            <a:schemeClr val="lt1"/>
+          </a:fontRef>
+        </p:style>
+        <p:txBody>
+          <a:bodyPr rtlCol="0" anchor="ctr"/>
+          <a:lstStyle/>
+          <a:p>
+            <a:pPr algn="ctr"/>
+            <a:endParaRPr lang="en-US"/>
+          </a:p>
+        </p:txBody>
+      </p:sp>
+      <p:sp>
+        <p:nvSpPr>
+          <p:cNvPr id="5" name="TextBox 4"/>
+          <p:cNvSpPr txBox="1"/>
+          <p:nvPr/>
+        </p:nvSpPr>
+        <p:spPr>
+          <a:xfrm>
+            <a:off x="1231217" y="2851300"/>
+            <a:ext cx="1096519" cy="369332"/>
+          </a:xfrm>
+          <a:prstGeom prst="rect">
+            <a:avLst/>
+          </a:prstGeom>
+          <a:noFill/>
+        </p:spPr>
+        <p:txBody>
+          <a:bodyPr wrap="none" rtlCol="0">
+            <a:spAutoFit/>
+          </a:bodyPr>
+          <a:lstStyle/>
+          <a:p>
+            <a:r>
+              <a:rPr lang="en-US" b="1"/>
+              <a:t>Context 2</a:t>
+            </a:r>
+            <a:endParaRPr lang="en-US" b="1"/>
+          </a:p>
+        </p:txBody>
+      </p:sp>
+      <p:sp>
+        <p:nvSpPr>
+          <p:cNvPr id="6" name="Rectangle 5"/>
+          <p:cNvSpPr/>
+          <p:nvPr/>
+        </p:nvSpPr>
+        <p:spPr>
+          <a:xfrm>
+            <a:off x="5607762" y="2165707"/>
+            <a:ext cx="969856" cy="2431229"/>
+          </a:xfrm>
+          <a:prstGeom prst="rect">
+            <a:avLst/>
+          </a:prstGeom>
+          <a:noFill/>
+          <a:ln w="25400">
+            <a:solidFill>
+              <a:schemeClr val="tx1"/>
+            </a:solidFill>
+          </a:ln>
+        </p:spPr>
+        <p:style>
+          <a:lnRef idx="2">
+            <a:schemeClr val="accent1">
+              <a:shade val="50000"/>
+            </a:schemeClr>
+          </a:lnRef>
+          <a:fillRef idx="1">
+            <a:schemeClr val="accent1"/>
+          </a:fillRef>
+          <a:effectRef idx="0">
+            <a:schemeClr val="accent1"/>
+          </a:effectRef>
+          <a:fontRef idx="minor">
+            <a:schemeClr val="lt1"/>
+          </a:fontRef>
+        </p:style>
+        <p:txBody>
+          <a:bodyPr rtlCol="0" anchor="ctr"/>
+          <a:lstStyle/>
+          <a:p>
+            <a:pPr algn="ctr"/>
+            <a:endParaRPr lang="en-US"/>
+          </a:p>
+        </p:txBody>
+      </p:sp>
+      <p:sp>
+        <p:nvSpPr>
+          <p:cNvPr id="7" name="TextBox 6"/>
+          <p:cNvSpPr txBox="1"/>
+          <p:nvPr/>
+        </p:nvSpPr>
+        <p:spPr>
+          <a:xfrm>
+            <a:off x="5487075" y="1796375"/>
+            <a:ext cx="539122" cy="369332"/>
+          </a:xfrm>
+          <a:prstGeom prst="rect">
+            <a:avLst/>
+          </a:prstGeom>
+          <a:noFill/>
+        </p:spPr>
+        <p:txBody>
+          <a:bodyPr wrap="none" rtlCol="0">
+            <a:spAutoFit/>
+          </a:bodyPr>
+          <a:lstStyle/>
+          <a:p>
+            <a:r>
+              <a:rPr lang="en-US" b="1"/>
+              <a:t>Box</a:t>
+            </a:r>
+          </a:p>
+        </p:txBody>
+      </p:sp>
+      <p:sp>
+        <p:nvSpPr>
+          <p:cNvPr id="8" name="Rectangle 7"/>
+          <p:cNvSpPr/>
+          <p:nvPr/>
+        </p:nvSpPr>
+        <p:spPr>
+          <a:xfrm>
+            <a:off x="5420455" y="2278459"/>
+            <a:ext cx="374613" cy="341704"/>
+          </a:xfrm>
+          <a:prstGeom prst="rect">
+            <a:avLst/>
+          </a:prstGeom>
+          <a:solidFill>
+            <a:schemeClr val="bg1">
+              <a:lumMod val="50000"/>
+            </a:schemeClr>
+          </a:solidFill>
+          <a:ln w="25400">
+            <a:noFill/>
+          </a:ln>
+        </p:spPr>
+        <p:style>
+          <a:lnRef idx="2">
+            <a:schemeClr val="accent1">
+              <a:shade val="50000"/>
+            </a:schemeClr>
+          </a:lnRef>
+          <a:fillRef idx="1">
+            <a:schemeClr val="accent1"/>
+          </a:fillRef>
+          <a:effectRef idx="0">
+            <a:schemeClr val="accent1"/>
+          </a:effectRef>
+          <a:fontRef idx="minor">
+            <a:schemeClr val="lt1"/>
+          </a:fontRef>
+        </p:style>
+        <p:txBody>
+          <a:bodyPr rtlCol="0" anchor="ctr"/>
+          <a:lstStyle/>
+          <a:p>
+            <a:pPr algn="ctr"/>
+            <a:endParaRPr lang="en-US"/>
+          </a:p>
+        </p:txBody>
+      </p:sp>
+      <p:sp>
+        <p:nvSpPr>
+          <p:cNvPr id="9" name="Rectangle 8"/>
+          <p:cNvSpPr/>
+          <p:nvPr/>
+        </p:nvSpPr>
+        <p:spPr>
+          <a:xfrm>
+            <a:off x="5420455" y="2754633"/>
+            <a:ext cx="374613" cy="341704"/>
+          </a:xfrm>
+          <a:prstGeom prst="rect">
+            <a:avLst/>
+          </a:prstGeom>
+          <a:solidFill>
+            <a:schemeClr val="bg1">
+              <a:lumMod val="50000"/>
+            </a:schemeClr>
+          </a:solidFill>
+          <a:ln w="25400">
+            <a:noFill/>
+          </a:ln>
+        </p:spPr>
+        <p:style>
+          <a:lnRef idx="2">
+            <a:schemeClr val="accent1">
+              <a:shade val="50000"/>
+            </a:schemeClr>
+          </a:lnRef>
+          <a:fillRef idx="1">
+            <a:schemeClr val="accent1"/>
+          </a:fillRef>
+          <a:effectRef idx="0">
+            <a:schemeClr val="accent1"/>
+          </a:effectRef>
+          <a:fontRef idx="minor">
+            <a:schemeClr val="lt1"/>
+          </a:fontRef>
+        </p:style>
+        <p:txBody>
+          <a:bodyPr rtlCol="0" anchor="ctr"/>
+          <a:lstStyle/>
+          <a:p>
+            <a:pPr algn="ctr"/>
+            <a:endParaRPr lang="en-US"/>
+          </a:p>
+        </p:txBody>
+      </p:sp>
+      <p:sp>
+        <p:nvSpPr>
+          <p:cNvPr id="10" name="Rectangle 9"/>
+          <p:cNvSpPr/>
+          <p:nvPr/>
+        </p:nvSpPr>
+        <p:spPr>
+          <a:xfrm>
+            <a:off x="5420455" y="3245095"/>
+            <a:ext cx="374613" cy="341704"/>
+          </a:xfrm>
+          <a:prstGeom prst="rect">
+            <a:avLst/>
+          </a:prstGeom>
+          <a:solidFill>
+            <a:schemeClr val="bg1">
+              <a:lumMod val="50000"/>
+            </a:schemeClr>
+          </a:solidFill>
+          <a:ln w="25400">
+            <a:noFill/>
+          </a:ln>
+        </p:spPr>
+        <p:style>
+          <a:lnRef idx="2">
+            <a:schemeClr val="accent1">
+              <a:shade val="50000"/>
+            </a:schemeClr>
+          </a:lnRef>
+          <a:fillRef idx="1">
+            <a:schemeClr val="accent1"/>
+          </a:fillRef>
+          <a:effectRef idx="0">
+            <a:schemeClr val="accent1"/>
+          </a:effectRef>
+          <a:fontRef idx="minor">
+            <a:schemeClr val="lt1"/>
+          </a:fontRef>
+        </p:style>
+        <p:txBody>
+          <a:bodyPr rtlCol="0" anchor="ctr"/>
+          <a:lstStyle/>
+          <a:p>
+            <a:pPr algn="ctr"/>
+            <a:endParaRPr lang="en-US"/>
+          </a:p>
+        </p:txBody>
+      </p:sp>
+      <p:sp>
+        <p:nvSpPr>
+          <p:cNvPr id="11" name="Rectangle 10"/>
+          <p:cNvSpPr/>
+          <p:nvPr/>
+        </p:nvSpPr>
+        <p:spPr>
+          <a:xfrm>
+            <a:off x="5420455" y="4151615"/>
+            <a:ext cx="374613" cy="341704"/>
+          </a:xfrm>
+          <a:prstGeom prst="rect">
+            <a:avLst/>
+          </a:prstGeom>
+          <a:solidFill>
+            <a:schemeClr val="bg1">
+              <a:lumMod val="75000"/>
+            </a:schemeClr>
+          </a:solidFill>
+          <a:ln w="25400">
+            <a:noFill/>
+          </a:ln>
+        </p:spPr>
+        <p:style>
+          <a:lnRef idx="2">
+            <a:schemeClr val="accent1">
+              <a:shade val="50000"/>
+            </a:schemeClr>
+          </a:lnRef>
+          <a:fillRef idx="1">
+            <a:schemeClr val="accent1"/>
+          </a:fillRef>
+          <a:effectRef idx="0">
+            <a:schemeClr val="accent1"/>
+          </a:effectRef>
+          <a:fontRef idx="minor">
+            <a:schemeClr val="lt1"/>
+          </a:fontRef>
+        </p:style>
+        <p:txBody>
+          <a:bodyPr rtlCol="0" anchor="ctr"/>
+          <a:lstStyle/>
+          <a:p>
+            <a:pPr algn="ctr"/>
+            <a:endParaRPr lang="en-US"/>
+          </a:p>
+        </p:txBody>
+      </p:sp>
+      <p:sp>
+        <p:nvSpPr>
+          <p:cNvPr id="15" name="Triangle 14"/>
+          <p:cNvSpPr/>
+          <p:nvPr/>
+        </p:nvSpPr>
+        <p:spPr>
+          <a:xfrm>
+            <a:off x="1393609" y="3821101"/>
+            <a:ext cx="430911" cy="371475"/>
+          </a:xfrm>
+          <a:prstGeom prst="triangle">
+            <a:avLst/>
+          </a:prstGeom>
+          <a:noFill/>
+          <a:ln w="25400">
+            <a:solidFill>
+              <a:schemeClr val="tx1">
+                <a:lumMod val="95000"/>
+                <a:lumOff val="5000"/>
+              </a:schemeClr>
+            </a:solidFill>
+          </a:ln>
+        </p:spPr>
+        <p:style>
+          <a:lnRef idx="2">
+            <a:schemeClr val="accent1">
+              <a:shade val="50000"/>
+            </a:schemeClr>
+          </a:lnRef>
+          <a:fillRef idx="1">
+            <a:schemeClr val="accent1"/>
+          </a:fillRef>
+          <a:effectRef idx="0">
+            <a:schemeClr val="accent1"/>
+          </a:effectRef>
+          <a:fontRef idx="minor">
+            <a:schemeClr val="lt1"/>
+          </a:fontRef>
+        </p:style>
+        <p:txBody>
+          <a:bodyPr rtlCol="0" anchor="ctr"/>
+          <a:lstStyle/>
+          <a:p>
+            <a:pPr algn="ctr"/>
+            <a:endParaRPr lang="en-US"/>
+          </a:p>
+        </p:txBody>
+      </p:sp>
+      <p:sp>
+        <p:nvSpPr>
+          <p:cNvPr id="16" name="Triangle 15"/>
+          <p:cNvSpPr/>
+          <p:nvPr/>
+        </p:nvSpPr>
+        <p:spPr>
+          <a:xfrm>
+            <a:off x="1564020" y="4365006"/>
+            <a:ext cx="430911" cy="371475"/>
+          </a:xfrm>
+          <a:prstGeom prst="triangle">
+            <a:avLst/>
+          </a:prstGeom>
+          <a:noFill/>
+          <a:ln w="25400">
+            <a:solidFill>
+              <a:schemeClr val="tx1">
+                <a:lumMod val="95000"/>
+                <a:lumOff val="5000"/>
+              </a:schemeClr>
+            </a:solidFill>
+          </a:ln>
+        </p:spPr>
+        <p:style>
+          <a:lnRef idx="2">
+            <a:schemeClr val="accent1">
+              <a:shade val="50000"/>
+            </a:schemeClr>
+          </a:lnRef>
+          <a:fillRef idx="1">
+            <a:schemeClr val="accent1"/>
+          </a:fillRef>
+          <a:effectRef idx="0">
+            <a:schemeClr val="accent1"/>
+          </a:effectRef>
+          <a:fontRef idx="minor">
+            <a:schemeClr val="lt1"/>
+          </a:fontRef>
+        </p:style>
+        <p:txBody>
+          <a:bodyPr rtlCol="0" anchor="ctr"/>
+          <a:lstStyle/>
+          <a:p>
+            <a:pPr algn="ctr"/>
+            <a:endParaRPr lang="en-US"/>
+          </a:p>
+        </p:txBody>
+      </p:sp>
+      <p:sp>
+        <p:nvSpPr>
+          <p:cNvPr id="17" name="Triangle 16"/>
+          <p:cNvSpPr/>
+          <p:nvPr/>
+        </p:nvSpPr>
+        <p:spPr>
+          <a:xfrm>
+            <a:off x="2115448" y="3348871"/>
+            <a:ext cx="430911" cy="371475"/>
+          </a:xfrm>
+          <a:prstGeom prst="triangle">
+            <a:avLst/>
+          </a:prstGeom>
+          <a:noFill/>
+          <a:ln w="25400">
+            <a:solidFill>
+              <a:schemeClr val="tx1">
+                <a:lumMod val="95000"/>
+                <a:lumOff val="5000"/>
+              </a:schemeClr>
+            </a:solidFill>
+          </a:ln>
+        </p:spPr>
+        <p:style>
+          <a:lnRef idx="2">
+            <a:schemeClr val="accent1">
+              <a:shade val="50000"/>
+            </a:schemeClr>
+          </a:lnRef>
+          <a:fillRef idx="1">
+            <a:schemeClr val="accent1"/>
+          </a:fillRef>
+          <a:effectRef idx="0">
+            <a:schemeClr val="accent1"/>
+          </a:effectRef>
+          <a:fontRef idx="minor">
+            <a:schemeClr val="lt1"/>
+          </a:fontRef>
+        </p:style>
+        <p:txBody>
+          <a:bodyPr rtlCol="0" anchor="ctr"/>
+          <a:lstStyle/>
+          <a:p>
+            <a:pPr algn="ctr"/>
+            <a:endParaRPr lang="en-US"/>
+          </a:p>
+        </p:txBody>
+      </p:sp>
+      <p:sp>
+        <p:nvSpPr>
+          <p:cNvPr id="18" name="Triangle 17"/>
+          <p:cNvSpPr/>
+          <p:nvPr/>
+        </p:nvSpPr>
+        <p:spPr>
+          <a:xfrm>
+            <a:off x="2182238" y="4473776"/>
+            <a:ext cx="430911" cy="371475"/>
+          </a:xfrm>
+          <a:prstGeom prst="triangle">
+            <a:avLst/>
+          </a:prstGeom>
+          <a:noFill/>
+          <a:ln w="25400">
+            <a:solidFill>
+              <a:schemeClr val="tx1">
+                <a:lumMod val="95000"/>
+                <a:lumOff val="5000"/>
+              </a:schemeClr>
+            </a:solidFill>
+          </a:ln>
+        </p:spPr>
+        <p:style>
+          <a:lnRef idx="2">
+            <a:schemeClr val="accent1">
+              <a:shade val="50000"/>
+            </a:schemeClr>
+          </a:lnRef>
+          <a:fillRef idx="1">
+            <a:schemeClr val="accent1"/>
+          </a:fillRef>
+          <a:effectRef idx="0">
+            <a:schemeClr val="accent1"/>
+          </a:effectRef>
+          <a:fontRef idx="minor">
+            <a:schemeClr val="lt1"/>
+          </a:fontRef>
+        </p:style>
+        <p:txBody>
+          <a:bodyPr rtlCol="0" anchor="ctr"/>
+          <a:lstStyle/>
+          <a:p>
+            <a:pPr algn="ctr"/>
+            <a:endParaRPr lang="en-US"/>
+          </a:p>
+        </p:txBody>
+      </p:sp>
+      <p:sp>
+        <p:nvSpPr>
+          <p:cNvPr id="25" name="Rectangle 24"/>
+          <p:cNvSpPr/>
+          <p:nvPr/>
+        </p:nvSpPr>
+        <p:spPr>
+          <a:xfrm>
+            <a:off x="2139509" y="935672"/>
+            <a:ext cx="1448135" cy="1684491"/>
+          </a:xfrm>
+          <a:prstGeom prst="rect">
+            <a:avLst/>
+          </a:prstGeom>
+          <a:noFill/>
+          <a:ln w="25400">
+            <a:solidFill>
+              <a:schemeClr val="tx1"/>
+            </a:solidFill>
+          </a:ln>
+        </p:spPr>
+        <p:style>
+          <a:lnRef idx="2">
+            <a:schemeClr val="accent1">
+              <a:shade val="50000"/>
+            </a:schemeClr>
+          </a:lnRef>
+          <a:fillRef idx="1">
+            <a:schemeClr val="accent1"/>
+          </a:fillRef>
+          <a:effectRef idx="0">
+            <a:schemeClr val="accent1"/>
+          </a:effectRef>
+          <a:fontRef idx="minor">
+            <a:schemeClr val="lt1"/>
+          </a:fontRef>
+        </p:style>
+        <p:txBody>
+          <a:bodyPr rtlCol="0" anchor="ctr"/>
+          <a:lstStyle/>
+          <a:p>
+            <a:pPr algn="ctr"/>
+            <a:endParaRPr lang="en-US"/>
+          </a:p>
+        </p:txBody>
+      </p:sp>
+      <p:sp>
+        <p:nvSpPr>
+          <p:cNvPr id="27" name="TextBox 26"/>
+          <p:cNvSpPr txBox="1"/>
+          <p:nvPr/>
+        </p:nvSpPr>
+        <p:spPr>
+          <a:xfrm>
+            <a:off x="2047397" y="566340"/>
+            <a:ext cx="1096519" cy="369332"/>
+          </a:xfrm>
+          <a:prstGeom prst="rect">
+            <a:avLst/>
+          </a:prstGeom>
+          <a:noFill/>
+        </p:spPr>
+        <p:txBody>
+          <a:bodyPr wrap="none" rtlCol="0">
+            <a:spAutoFit/>
+          </a:bodyPr>
+          <a:lstStyle/>
+          <a:p>
+            <a:r>
+              <a:rPr lang="en-US" b="1"/>
+              <a:t>Context 1</a:t>
+            </a:r>
+            <a:endParaRPr lang="en-US" b="1"/>
+          </a:p>
+        </p:txBody>
+      </p:sp>
+      <p:sp>
+        <p:nvSpPr>
+          <p:cNvPr id="29" name="Triangle 28"/>
+          <p:cNvSpPr/>
+          <p:nvPr/>
+        </p:nvSpPr>
+        <p:spPr>
+          <a:xfrm>
+            <a:off x="2931798" y="2154552"/>
+            <a:ext cx="430911" cy="371475"/>
+          </a:xfrm>
+          <a:prstGeom prst="triangle">
+            <a:avLst/>
+          </a:prstGeom>
+          <a:noFill/>
+          <a:ln w="25400">
+            <a:solidFill>
+              <a:schemeClr val="tx1">
+                <a:lumMod val="95000"/>
+                <a:lumOff val="5000"/>
+              </a:schemeClr>
+            </a:solidFill>
+          </a:ln>
+        </p:spPr>
+        <p:style>
+          <a:lnRef idx="2">
+            <a:schemeClr val="accent1">
+              <a:shade val="50000"/>
+            </a:schemeClr>
+          </a:lnRef>
+          <a:fillRef idx="1">
+            <a:schemeClr val="accent1"/>
+          </a:fillRef>
+          <a:effectRef idx="0">
+            <a:schemeClr val="accent1"/>
+          </a:effectRef>
+          <a:fontRef idx="minor">
+            <a:schemeClr val="lt1"/>
+          </a:fontRef>
+        </p:style>
+        <p:txBody>
+          <a:bodyPr rtlCol="0" anchor="ctr"/>
+          <a:lstStyle/>
+          <a:p>
+            <a:pPr algn="ctr"/>
+            <a:endParaRPr lang="en-US"/>
+          </a:p>
+        </p:txBody>
+      </p:sp>
+      <p:sp>
+        <p:nvSpPr>
+          <p:cNvPr id="30" name="Triangle 29"/>
+          <p:cNvSpPr/>
+          <p:nvPr/>
+        </p:nvSpPr>
+        <p:spPr>
+          <a:xfrm>
+            <a:off x="2525000" y="1051537"/>
+            <a:ext cx="430911" cy="371475"/>
+          </a:xfrm>
+          <a:prstGeom prst="triangle">
+            <a:avLst/>
+          </a:prstGeom>
+          <a:noFill/>
+          <a:ln w="25400">
+            <a:solidFill>
+              <a:schemeClr val="tx1">
+                <a:lumMod val="95000"/>
+                <a:lumOff val="5000"/>
+              </a:schemeClr>
+            </a:solidFill>
+          </a:ln>
+        </p:spPr>
+        <p:style>
+          <a:lnRef idx="2">
+            <a:schemeClr val="accent1">
+              <a:shade val="50000"/>
+            </a:schemeClr>
+          </a:lnRef>
+          <a:fillRef idx="1">
+            <a:schemeClr val="accent1"/>
+          </a:fillRef>
+          <a:effectRef idx="0">
+            <a:schemeClr val="accent1"/>
+          </a:effectRef>
+          <a:fontRef idx="minor">
+            <a:schemeClr val="lt1"/>
+          </a:fontRef>
+        </p:style>
+        <p:txBody>
+          <a:bodyPr rtlCol="0" anchor="ctr"/>
+          <a:lstStyle/>
+          <a:p>
+            <a:pPr algn="ctr"/>
+            <a:endParaRPr lang="en-US"/>
+          </a:p>
+        </p:txBody>
+      </p:sp>
+      <p:sp>
+        <p:nvSpPr>
+          <p:cNvPr id="35" name="Triangle 34"/>
+          <p:cNvSpPr/>
+          <p:nvPr/>
+        </p:nvSpPr>
+        <p:spPr>
+          <a:xfrm>
+            <a:off x="2209789" y="1536141"/>
+            <a:ext cx="430911" cy="371475"/>
+          </a:xfrm>
+          <a:prstGeom prst="triangle">
+            <a:avLst/>
+          </a:prstGeom>
+          <a:noFill/>
+          <a:ln w="25400">
+            <a:solidFill>
+              <a:schemeClr val="tx1">
+                <a:lumMod val="95000"/>
+                <a:lumOff val="5000"/>
+              </a:schemeClr>
+            </a:solidFill>
+          </a:ln>
+        </p:spPr>
+        <p:style>
+          <a:lnRef idx="2">
+            <a:schemeClr val="accent1">
+              <a:shade val="50000"/>
+            </a:schemeClr>
+          </a:lnRef>
+          <a:fillRef idx="1">
+            <a:schemeClr val="accent1"/>
+          </a:fillRef>
+          <a:effectRef idx="0">
+            <a:schemeClr val="accent1"/>
+          </a:effectRef>
+          <a:fontRef idx="minor">
+            <a:schemeClr val="lt1"/>
+          </a:fontRef>
+        </p:style>
+        <p:txBody>
+          <a:bodyPr rtlCol="0" anchor="ctr"/>
+          <a:lstStyle/>
+          <a:p>
+            <a:pPr algn="ctr"/>
+            <a:endParaRPr lang="en-US"/>
+          </a:p>
+        </p:txBody>
+      </p:sp>
+      <p:sp>
+        <p:nvSpPr>
+          <p:cNvPr id="36" name="Triangle 35"/>
+          <p:cNvSpPr/>
+          <p:nvPr/>
+        </p:nvSpPr>
+        <p:spPr>
+          <a:xfrm>
+            <a:off x="2380200" y="2080046"/>
+            <a:ext cx="430911" cy="371475"/>
+          </a:xfrm>
+          <a:prstGeom prst="triangle">
+            <a:avLst/>
+          </a:prstGeom>
+          <a:noFill/>
+          <a:ln w="25400">
+            <a:solidFill>
+              <a:schemeClr val="tx1">
+                <a:lumMod val="95000"/>
+                <a:lumOff val="5000"/>
+              </a:schemeClr>
+            </a:solidFill>
+          </a:ln>
+        </p:spPr>
+        <p:style>
+          <a:lnRef idx="2">
+            <a:schemeClr val="accent1">
+              <a:shade val="50000"/>
+            </a:schemeClr>
+          </a:lnRef>
+          <a:fillRef idx="1">
+            <a:schemeClr val="accent1"/>
+          </a:fillRef>
+          <a:effectRef idx="0">
+            <a:schemeClr val="accent1"/>
+          </a:effectRef>
+          <a:fontRef idx="minor">
+            <a:schemeClr val="lt1"/>
+          </a:fontRef>
+        </p:style>
+        <p:txBody>
+          <a:bodyPr rtlCol="0" anchor="ctr"/>
+          <a:lstStyle/>
+          <a:p>
+            <a:pPr algn="ctr"/>
+            <a:endParaRPr lang="en-US"/>
+          </a:p>
+        </p:txBody>
+      </p:sp>
+      <p:sp>
+        <p:nvSpPr>
+          <p:cNvPr id="37" name="Triangle 36"/>
+          <p:cNvSpPr/>
+          <p:nvPr/>
+        </p:nvSpPr>
+        <p:spPr>
+          <a:xfrm>
+            <a:off x="3041286" y="1136177"/>
+            <a:ext cx="430911" cy="371475"/>
+          </a:xfrm>
+          <a:prstGeom prst="triangle">
+            <a:avLst/>
+          </a:prstGeom>
+          <a:noFill/>
+          <a:ln w="25400">
+            <a:solidFill>
+              <a:schemeClr val="tx1">
+                <a:lumMod val="95000"/>
+                <a:lumOff val="5000"/>
+              </a:schemeClr>
+            </a:solidFill>
+          </a:ln>
+        </p:spPr>
+        <p:style>
+          <a:lnRef idx="2">
+            <a:schemeClr val="accent1">
+              <a:shade val="50000"/>
+            </a:schemeClr>
+          </a:lnRef>
+          <a:fillRef idx="1">
+            <a:schemeClr val="accent1"/>
+          </a:fillRef>
+          <a:effectRef idx="0">
+            <a:schemeClr val="accent1"/>
+          </a:effectRef>
+          <a:fontRef idx="minor">
+            <a:schemeClr val="lt1"/>
+          </a:fontRef>
+        </p:style>
+        <p:txBody>
+          <a:bodyPr rtlCol="0" anchor="ctr"/>
+          <a:lstStyle/>
+          <a:p>
+            <a:pPr algn="ctr"/>
+            <a:endParaRPr lang="en-US"/>
+          </a:p>
+        </p:txBody>
+      </p:sp>
+      <p:sp>
+        <p:nvSpPr>
+          <p:cNvPr id="38" name="Triangle 37"/>
+          <p:cNvSpPr/>
+          <p:nvPr/>
+        </p:nvSpPr>
+        <p:spPr>
+          <a:xfrm>
+            <a:off x="2732812" y="1622356"/>
+            <a:ext cx="430911" cy="371475"/>
+          </a:xfrm>
+          <a:prstGeom prst="triangle">
+            <a:avLst/>
+          </a:prstGeom>
+          <a:noFill/>
+          <a:ln w="25400">
+            <a:solidFill>
+              <a:schemeClr val="tx1">
+                <a:lumMod val="95000"/>
+                <a:lumOff val="5000"/>
+              </a:schemeClr>
+            </a:solidFill>
+          </a:ln>
+        </p:spPr>
+        <p:style>
+          <a:lnRef idx="2">
+            <a:schemeClr val="accent1">
+              <a:shade val="50000"/>
+            </a:schemeClr>
+          </a:lnRef>
+          <a:fillRef idx="1">
+            <a:schemeClr val="accent1"/>
+          </a:fillRef>
+          <a:effectRef idx="0">
+            <a:schemeClr val="accent1"/>
+          </a:effectRef>
+          <a:fontRef idx="minor">
+            <a:schemeClr val="lt1"/>
+          </a:fontRef>
+        </p:style>
+        <p:txBody>
+          <a:bodyPr rtlCol="0" anchor="ctr"/>
+          <a:lstStyle/>
+          <a:p>
+            <a:pPr algn="ctr"/>
+            <a:endParaRPr lang="en-US"/>
+          </a:p>
+        </p:txBody>
+      </p:sp>
+      <p:pic>
+        <p:nvPicPr>
+          <p:cNvPr id="2" name="Picture 1"/>
+          <p:cNvPicPr>
+            <a:picLocks noChangeAspect="1"/>
+          </p:cNvPicPr>
+          <p:nvPr/>
+        </p:nvPicPr>
+        <p:blipFill>
+          <a:blip r:embed="rId2"/>
+          <a:stretch>
+            <a:fillRect/>
+          </a:stretch>
+        </p:blipFill>
+        <p:spPr>
+          <a:xfrm>
+            <a:off x="5969765" y="1828370"/>
+            <a:ext cx="1048738" cy="2996555"/>
+          </a:xfrm>
+          <a:prstGeom prst="rect">
+            <a:avLst/>
+          </a:prstGeom>
+        </p:spPr>
+      </p:pic>
+      <p:cxnSp>
+        <p:nvCxnSpPr>
+          <p:cNvPr id="47" name="Straight Arrow Connector 46"/>
+          <p:cNvCxnSpPr/>
+          <p:nvPr/>
+        </p:nvCxnSpPr>
+        <p:spPr>
+          <a:xfrm>
+            <a:off x="3472197" y="1338619"/>
+            <a:ext cx="1855582" cy="1000067"/>
+          </a:xfrm>
+          <a:prstGeom prst="straightConnector1">
+            <a:avLst/>
+          </a:prstGeom>
+          <a:ln w="25400">
+            <a:solidFill>
+              <a:schemeClr val="bg1">
+                <a:lumMod val="50000"/>
+              </a:schemeClr>
+            </a:solidFill>
+            <a:prstDash val="sysDash"/>
+            <a:tailEnd type="triangle" w="lg" len="med"/>
+          </a:ln>
+        </p:spPr>
+        <p:style>
+          <a:lnRef idx="1">
+            <a:schemeClr val="accent1"/>
+          </a:lnRef>
+          <a:fillRef idx="0">
+            <a:schemeClr val="accent1"/>
+          </a:fillRef>
+          <a:effectRef idx="0">
+            <a:schemeClr val="accent1"/>
+          </a:effectRef>
+          <a:fontRef idx="minor">
+            <a:schemeClr val="tx1"/>
+          </a:fontRef>
+        </p:style>
+      </p:cxnSp>
+      <p:cxnSp>
+        <p:nvCxnSpPr>
+          <p:cNvPr id="48" name="Straight Arrow Connector 47"/>
+          <p:cNvCxnSpPr>
+            <a:stCxn id="30" idx="3"/>
+          </p:cNvCxnSpPr>
+          <p:nvPr/>
+        </p:nvCxnSpPr>
+        <p:spPr>
+          <a:xfrm>
+            <a:off x="2740456" y="1423012"/>
+            <a:ext cx="2653943" cy="1422313"/>
+          </a:xfrm>
+          <a:prstGeom prst="straightConnector1">
+            <a:avLst/>
+          </a:prstGeom>
+          <a:ln w="25400">
+            <a:solidFill>
+              <a:schemeClr val="bg1">
+                <a:lumMod val="50000"/>
+              </a:schemeClr>
+            </a:solidFill>
+            <a:prstDash val="sysDash"/>
+            <a:tailEnd type="triangle" w="lg" len="med"/>
+          </a:ln>
+        </p:spPr>
+        <p:style>
+          <a:lnRef idx="1">
+            <a:schemeClr val="accent1"/>
+          </a:lnRef>
+          <a:fillRef idx="0">
+            <a:schemeClr val="accent1"/>
+          </a:fillRef>
+          <a:effectRef idx="0">
+            <a:schemeClr val="accent1"/>
+          </a:effectRef>
+          <a:fontRef idx="minor">
+            <a:schemeClr val="tx1"/>
+          </a:fontRef>
+        </p:style>
+      </p:cxnSp>
+      <p:cxnSp>
+        <p:nvCxnSpPr>
+          <p:cNvPr id="49" name="Straight Arrow Connector 48"/>
+          <p:cNvCxnSpPr/>
+          <p:nvPr/>
+        </p:nvCxnSpPr>
+        <p:spPr>
+          <a:xfrm>
+            <a:off x="3206476" y="2026347"/>
+            <a:ext cx="2187923" cy="1290258"/>
+          </a:xfrm>
+          <a:prstGeom prst="straightConnector1">
+            <a:avLst/>
+          </a:prstGeom>
+          <a:ln w="25400">
+            <a:solidFill>
+              <a:schemeClr val="bg1">
+                <a:lumMod val="50000"/>
+              </a:schemeClr>
+            </a:solidFill>
+            <a:prstDash val="sysDash"/>
+            <a:tailEnd type="triangle" w="lg" len="med"/>
+          </a:ln>
+        </p:spPr>
+        <p:style>
+          <a:lnRef idx="1">
+            <a:schemeClr val="accent1"/>
+          </a:lnRef>
+          <a:fillRef idx="0">
+            <a:schemeClr val="accent1"/>
+          </a:fillRef>
+          <a:effectRef idx="0">
+            <a:schemeClr val="accent1"/>
+          </a:effectRef>
+          <a:fontRef idx="minor">
+            <a:schemeClr val="tx1"/>
+          </a:fontRef>
+        </p:style>
+      </p:cxnSp>
+      <p:cxnSp>
+        <p:nvCxnSpPr>
+          <p:cNvPr id="50" name="Straight Arrow Connector 49"/>
+          <p:cNvCxnSpPr>
+            <a:endCxn id="29" idx="4"/>
+          </p:cNvCxnSpPr>
+          <p:nvPr/>
+        </p:nvCxnSpPr>
+        <p:spPr>
+          <a:xfrm flipH="1" flipV="1">
+            <a:off x="3362709" y="2526027"/>
+            <a:ext cx="1972714" cy="1659067"/>
+          </a:xfrm>
+          <a:prstGeom prst="straightConnector1">
+            <a:avLst/>
+          </a:prstGeom>
+          <a:ln w="25400">
+            <a:solidFill>
+              <a:schemeClr val="bg1">
+                <a:lumMod val="50000"/>
+              </a:schemeClr>
+            </a:solidFill>
+            <a:prstDash val="sysDash"/>
+            <a:tailEnd type="triangle" w="lg" len="med"/>
+          </a:ln>
+        </p:spPr>
+        <p:style>
+          <a:lnRef idx="1">
+            <a:schemeClr val="accent1"/>
+          </a:lnRef>
+          <a:fillRef idx="0">
+            <a:schemeClr val="accent1"/>
+          </a:fillRef>
+          <a:effectRef idx="0">
+            <a:schemeClr val="accent1"/>
+          </a:effectRef>
+          <a:fontRef idx="minor">
+            <a:schemeClr val="tx1"/>
+          </a:fontRef>
+        </p:style>
+      </p:cxnSp>
+      <p:cxnSp>
+        <p:nvCxnSpPr>
+          <p:cNvPr id="52" name="Straight Arrow Connector 51"/>
+          <p:cNvCxnSpPr/>
+          <p:nvPr/>
+        </p:nvCxnSpPr>
+        <p:spPr>
+          <a:xfrm flipV="1">
+            <a:off x="2559176" y="2466695"/>
+            <a:ext cx="2768603" cy="1121160"/>
+          </a:xfrm>
+          <a:prstGeom prst="straightConnector1">
+            <a:avLst/>
+          </a:prstGeom>
+          <a:ln w="25400">
+            <a:solidFill>
+              <a:schemeClr val="bg1">
+                <a:lumMod val="50000"/>
+              </a:schemeClr>
+            </a:solidFill>
+            <a:prstDash val="sysDot"/>
+            <a:tailEnd type="triangle" w="lg" len="med"/>
+          </a:ln>
+        </p:spPr>
+        <p:style>
+          <a:lnRef idx="1">
+            <a:schemeClr val="accent1"/>
+          </a:lnRef>
+          <a:fillRef idx="0">
+            <a:schemeClr val="accent1"/>
+          </a:fillRef>
+          <a:effectRef idx="0">
+            <a:schemeClr val="accent1"/>
+          </a:effectRef>
+          <a:fontRef idx="minor">
+            <a:schemeClr val="tx1"/>
+          </a:fontRef>
+        </p:style>
+      </p:cxnSp>
+      <p:cxnSp>
+        <p:nvCxnSpPr>
+          <p:cNvPr id="59" name="Straight Arrow Connector 58"/>
+          <p:cNvCxnSpPr/>
+          <p:nvPr/>
+        </p:nvCxnSpPr>
+        <p:spPr>
+          <a:xfrm flipV="1">
+            <a:off x="1824520" y="2966376"/>
+            <a:ext cx="3510903" cy="1094343"/>
+          </a:xfrm>
+          <a:prstGeom prst="straightConnector1">
+            <a:avLst/>
+          </a:prstGeom>
+          <a:ln w="25400">
+            <a:solidFill>
+              <a:schemeClr val="bg1">
+                <a:lumMod val="50000"/>
+              </a:schemeClr>
+            </a:solidFill>
+            <a:prstDash val="sysDot"/>
+            <a:tailEnd type="triangle" w="lg" len="med"/>
+          </a:ln>
+        </p:spPr>
+        <p:style>
+          <a:lnRef idx="1">
+            <a:schemeClr val="accent1"/>
+          </a:lnRef>
+          <a:fillRef idx="0">
+            <a:schemeClr val="accent1"/>
+          </a:fillRef>
+          <a:effectRef idx="0">
+            <a:schemeClr val="accent1"/>
+          </a:effectRef>
+          <a:fontRef idx="minor">
+            <a:schemeClr val="tx1"/>
+          </a:fontRef>
+        </p:style>
+      </p:cxnSp>
+      <p:cxnSp>
+        <p:nvCxnSpPr>
+          <p:cNvPr id="62" name="Straight Arrow Connector 61"/>
+          <p:cNvCxnSpPr/>
+          <p:nvPr/>
+        </p:nvCxnSpPr>
+        <p:spPr>
+          <a:xfrm flipV="1">
+            <a:off x="1994931" y="3400624"/>
+            <a:ext cx="3366548" cy="1079545"/>
+          </a:xfrm>
+          <a:prstGeom prst="straightConnector1">
+            <a:avLst/>
+          </a:prstGeom>
+          <a:ln w="25400">
+            <a:solidFill>
+              <a:schemeClr val="bg1">
+                <a:lumMod val="50000"/>
+              </a:schemeClr>
+            </a:solidFill>
+            <a:prstDash val="sysDot"/>
+            <a:tailEnd type="triangle" w="lg" len="med"/>
+          </a:ln>
+        </p:spPr>
+        <p:style>
+          <a:lnRef idx="1">
+            <a:schemeClr val="accent1"/>
+          </a:lnRef>
+          <a:fillRef idx="0">
+            <a:schemeClr val="accent1"/>
+          </a:fillRef>
+          <a:effectRef idx="0">
+            <a:schemeClr val="accent1"/>
+          </a:effectRef>
+          <a:fontRef idx="minor">
+            <a:schemeClr val="tx1"/>
+          </a:fontRef>
+        </p:style>
+      </p:cxnSp>
+      <p:cxnSp>
+        <p:nvCxnSpPr>
+          <p:cNvPr id="65" name="Straight Arrow Connector 64"/>
+          <p:cNvCxnSpPr/>
+          <p:nvPr/>
+        </p:nvCxnSpPr>
+        <p:spPr>
+          <a:xfrm flipH="1">
+            <a:off x="2631391" y="4365006"/>
+            <a:ext cx="2696388" cy="371475"/>
+          </a:xfrm>
+          <a:prstGeom prst="straightConnector1">
+            <a:avLst/>
+          </a:prstGeom>
+          <a:ln w="25400">
+            <a:solidFill>
+              <a:schemeClr val="bg1">
+                <a:lumMod val="50000"/>
+              </a:schemeClr>
+            </a:solidFill>
+            <a:prstDash val="sysDot"/>
+            <a:tailEnd type="triangle" w="lg" len="med"/>
+          </a:ln>
+        </p:spPr>
+        <p:style>
+          <a:lnRef idx="1">
+            <a:schemeClr val="accent1"/>
+          </a:lnRef>
+          <a:fillRef idx="0">
+            <a:schemeClr val="accent1"/>
+          </a:fillRef>
+          <a:effectRef idx="0">
+            <a:schemeClr val="accent1"/>
+          </a:effectRef>
+          <a:fontRef idx="minor">
+            <a:schemeClr val="tx1"/>
+          </a:fontRef>
+        </p:style>
+      </p:cxnSp>
+    </p:spTree>
+    <p:extLst>
+      <p:ext uri="{BB962C8B-B14F-4D97-AF65-F5344CB8AC3E}">
+        <p14:creationId xmlns:p14="http://schemas.microsoft.com/office/powerpoint/2010/main" val="1479772643"/>
       </p:ext>
     </p:extLst>
   </p:cSld>
